--- a/01 Classes/Aula 01 - Computação em Nuvem e Web Services em Linux.pptx
+++ b/01 Classes/Aula 01 - Computação em Nuvem e Web Services em Linux.pptx
@@ -12803,7 +12803,7 @@
               </a:tabLst>
             </a:pPr>
             <a:r>
-              <a:rPr lang="pt-BR" sz="2200" i="1" dirty="0">
+              <a:rPr lang="pt-BR" sz="2200" dirty="0">
                 <a:effectLst/>
                 <a:latin typeface="Times" panose="02020603050405020304" pitchFamily="18" charset="0"/>
                 <a:ea typeface="Times New Roman" panose="02020603050405020304" pitchFamily="18" charset="0"/>
@@ -12825,7 +12825,7 @@
                 <a:tab pos="457200" algn="l"/>
               </a:tabLst>
             </a:pPr>
-            <a:endParaRPr lang="pt-BR" sz="2200" i="1" dirty="0">
+            <a:endParaRPr lang="pt-BR" sz="2200" dirty="0">
               <a:effectLst/>
               <a:latin typeface="Times" panose="02020603050405020304" pitchFamily="18" charset="0"/>
               <a:ea typeface="Times New Roman" panose="02020603050405020304" pitchFamily="18" charset="0"/>
@@ -12846,7 +12846,7 @@
               </a:tabLst>
             </a:pPr>
             <a:r>
-              <a:rPr lang="pt-BR" sz="2200" i="1" dirty="0">
+              <a:rPr lang="pt-BR" sz="2200" dirty="0">
                 <a:effectLst/>
                 <a:latin typeface="Times" panose="02020603050405020304" pitchFamily="18" charset="0"/>
                 <a:ea typeface="Times New Roman" panose="02020603050405020304" pitchFamily="18" charset="0"/>
@@ -18026,6 +18026,26 @@
                 </a:hlinkClick>
               </a:rPr>
               <a:t>CouchDB</a:t>
+            </a:r>
+            <a:r>
+              <a:rPr lang="pt-BR" sz="2200" b="1" dirty="0">
+                <a:solidFill>
+                  <a:srgbClr val="FF0000"/>
+                </a:solidFill>
+                <a:latin typeface="Times" panose="02020603050405020304" pitchFamily="18" charset="0"/>
+                <a:cs typeface="Times New Roman" panose="02020603050405020304" pitchFamily="18" charset="0"/>
+              </a:rPr>
+              <a:t>, </a:t>
+            </a:r>
+            <a:r>
+              <a:rPr lang="pt-BR" sz="2200" b="1" dirty="0" err="1">
+                <a:solidFill>
+                  <a:srgbClr val="FF0000"/>
+                </a:solidFill>
+                <a:latin typeface="Times" panose="02020603050405020304" pitchFamily="18" charset="0"/>
+                <a:cs typeface="Times New Roman" panose="02020603050405020304" pitchFamily="18" charset="0"/>
+              </a:rPr>
+              <a:t>HBase</a:t>
             </a:r>
             <a:r>
               <a:rPr lang="pt-BR" sz="2200" dirty="0">
